--- a/CHING JIAN/AppInventor/App Inventor 2 安裝與啟用指引_網路版.pptx
+++ b/CHING JIAN/AppInventor/App Inventor 2 安裝與啟用指引_網路版.pptx
@@ -7857,7 +7857,9 @@
         </p:nvSpPr>
         <p:spPr/>
         <p:txBody>
-          <a:bodyPr/>
+          <a:bodyPr>
+            <a:normAutofit lnSpcReduction="10000"/>
+          </a:bodyPr>
           <a:lstStyle/>
           <a:p>
             <a:r>
@@ -8044,7 +8046,40 @@
               <a:rPr lang="zh-TW" altLang="en-US" dirty="0" smtClean="0"/>
               <a:t>環境</a:t>
             </a:r>
-            <a:endParaRPr lang="zh-TW" altLang="en-US" dirty="0"/>
+            <a:endParaRPr lang="en-US" altLang="zh-TW" dirty="0" smtClean="0"/>
+          </a:p>
+          <a:p>
+            <a:r>
+              <a:rPr lang="zh-TW" altLang="en-US" dirty="0"/>
+              <a:t>投影片下載</a:t>
+            </a:r>
+            <a:r>
+              <a:rPr lang="zh-TW" altLang="en-US" dirty="0" smtClean="0"/>
+              <a:t>：</a:t>
+            </a:r>
+            <a:endParaRPr lang="en-US" altLang="zh-TW" dirty="0" smtClean="0"/>
+          </a:p>
+          <a:p>
+            <a:pPr lvl="1"/>
+            <a:r>
+              <a:rPr lang="en-US" altLang="zh-TW" dirty="0">
+                <a:hlinkClick r:id="rId2"/>
+              </a:rPr>
+              <a:t>https</a:t>
+            </a:r>
+            <a:r>
+              <a:rPr lang="en-US" altLang="zh-TW">
+                <a:hlinkClick r:id="rId2"/>
+              </a:rPr>
+              <a:t>://</a:t>
+            </a:r>
+            <a:r>
+              <a:rPr lang="en-US" altLang="zh-TW" smtClean="0">
+                <a:hlinkClick r:id="rId2"/>
+              </a:rPr>
+              <a:t>tinyurl.com/y9er6wfh</a:t>
+            </a:r>
+            <a:endParaRPr lang="en-US" altLang="zh-TW" smtClean="0"/>
           </a:p>
         </p:txBody>
       </p:sp>
@@ -9168,11 +9203,7 @@
           <a:p>
             <a:r>
               <a:rPr lang="zh-TW" altLang="en-US" sz="2000" dirty="0" smtClean="0"/>
-              <a:t>進入網址</a:t>
-            </a:r>
-            <a:r>
-              <a:rPr lang="zh-TW" altLang="en-US" sz="2000" dirty="0" smtClean="0"/>
-              <a:t>：</a:t>
+              <a:t>進入網址：</a:t>
             </a:r>
             <a:r>
               <a:rPr lang="en-US" altLang="zh-TW" sz="2000" dirty="0" smtClean="0">
